--- a/City_of.pptx
+++ b/City_of.pptx
@@ -5,20 +5,21 @@
     <p:sldMasterId id="2147483681" r:id="rId1"/>
   </p:sldMasterIdLst>
   <p:notesMasterIdLst>
-    <p:notesMasterId r:id="rId13"/>
+    <p:notesMasterId r:id="rId14"/>
   </p:notesMasterIdLst>
   <p:sldIdLst>
     <p:sldId id="268" r:id="rId2"/>
-    <p:sldId id="256" r:id="rId3"/>
-    <p:sldId id="262" r:id="rId4"/>
-    <p:sldId id="263" r:id="rId5"/>
-    <p:sldId id="260" r:id="rId6"/>
-    <p:sldId id="261" r:id="rId7"/>
-    <p:sldId id="258" r:id="rId8"/>
-    <p:sldId id="265" r:id="rId9"/>
-    <p:sldId id="266" r:id="rId10"/>
-    <p:sldId id="264" r:id="rId11"/>
-    <p:sldId id="267" r:id="rId12"/>
+    <p:sldId id="269" r:id="rId3"/>
+    <p:sldId id="256" r:id="rId4"/>
+    <p:sldId id="262" r:id="rId5"/>
+    <p:sldId id="263" r:id="rId6"/>
+    <p:sldId id="260" r:id="rId7"/>
+    <p:sldId id="261" r:id="rId8"/>
+    <p:sldId id="258" r:id="rId9"/>
+    <p:sldId id="265" r:id="rId10"/>
+    <p:sldId id="266" r:id="rId11"/>
+    <p:sldId id="264" r:id="rId12"/>
+    <p:sldId id="267" r:id="rId13"/>
   </p:sldIdLst>
   <p:sldSz cx="12192000" cy="6858000"/>
   <p:notesSz cx="6858000" cy="9144000"/>
@@ -603,34 +604,7 @@
           <a:bodyPr/>
           <a:lstStyle/>
           <a:p>
-            <a:r>
-              <a:rPr lang="en-US" dirty="0"/>
-              <a:t>How much time are you saving with the overlooked conveniences of being able to access accounts from your own computer? </a:t>
-            </a:r>
-          </a:p>
-          <a:p>
-            <a:r>
-              <a:rPr lang="en-US" dirty="0"/>
-              <a:t>We’re bringing this capability to everyone with [OS]</a:t>
-            </a:r>
-            <a:r>
-              <a:rPr lang="en-CA" dirty="0"/>
-              <a:t>.</a:t>
-            </a:r>
-          </a:p>
-          <a:p>
-            <a:r>
-              <a:rPr lang="en-US" dirty="0"/>
-              <a:t>Torontonians have enough in their lives to keep track of. We’ll keep track of </a:t>
-            </a:r>
-            <a:r>
-              <a:rPr lang="en-US" i="1" dirty="0"/>
-              <a:t>this</a:t>
-            </a:r>
-            <a:r>
-              <a:rPr lang="en-US" dirty="0"/>
-              <a:t> for you.</a:t>
-            </a:r>
+            <a:endParaRPr lang="en-CA" dirty="0"/>
           </a:p>
         </p:txBody>
       </p:sp>
@@ -660,7 +634,7 @@
     </p:spTree>
     <p:extLst>
       <p:ext uri="{BB962C8B-B14F-4D97-AF65-F5344CB8AC3E}">
-        <p14:creationId xmlns:p14="http://schemas.microsoft.com/office/powerpoint/2010/main" val="1874885872"/>
+        <p14:creationId xmlns:p14="http://schemas.microsoft.com/office/powerpoint/2010/main" val="1942000468"/>
       </p:ext>
     </p:extLst>
   </p:cSld>
@@ -714,7 +688,34 @@
           <a:bodyPr/>
           <a:lstStyle/>
           <a:p>
-            <a:endParaRPr lang="en-CA" dirty="0"/>
+            <a:r>
+              <a:rPr lang="en-US" dirty="0"/>
+              <a:t>How much time are you saving with the overlooked conveniences of being able to access accounts from your own computer? </a:t>
+            </a:r>
+          </a:p>
+          <a:p>
+            <a:r>
+              <a:rPr lang="en-US" dirty="0"/>
+              <a:t>We’re bringing this capability to everyone with [OS]</a:t>
+            </a:r>
+            <a:r>
+              <a:rPr lang="en-CA" dirty="0"/>
+              <a:t>.</a:t>
+            </a:r>
+          </a:p>
+          <a:p>
+            <a:r>
+              <a:rPr lang="en-US" dirty="0"/>
+              <a:t>Torontonians have enough in their lives to keep track of. We’ll keep track of </a:t>
+            </a:r>
+            <a:r>
+              <a:rPr lang="en-US" i="1" dirty="0"/>
+              <a:t>this</a:t>
+            </a:r>
+            <a:r>
+              <a:rPr lang="en-US" dirty="0"/>
+              <a:t> for you.</a:t>
+            </a:r>
           </a:p>
         </p:txBody>
       </p:sp>
@@ -736,6 +737,90 @@
             <a:fld id="{8F0E3D67-690A-4052-8E36-D4884B937A5E}" type="slidenum">
               <a:rPr lang="en-CA" smtClean="0"/>
               <a:t>11</a:t>
+            </a:fld>
+            <a:endParaRPr lang="en-CA"/>
+          </a:p>
+        </p:txBody>
+      </p:sp>
+    </p:spTree>
+    <p:extLst>
+      <p:ext uri="{BB962C8B-B14F-4D97-AF65-F5344CB8AC3E}">
+        <p14:creationId xmlns:p14="http://schemas.microsoft.com/office/powerpoint/2010/main" val="1874885872"/>
+      </p:ext>
+    </p:extLst>
+  </p:cSld>
+  <p:clrMapOvr>
+    <a:masterClrMapping/>
+  </p:clrMapOvr>
+</p:notes>
+</file>
+
+<file path=ppt/notesSlides/notesSlide12.xml><?xml version="1.0" encoding="utf-8"?>
+<p:notes xmlns:a="http://schemas.openxmlformats.org/drawingml/2006/main" xmlns:r="http://schemas.openxmlformats.org/officeDocument/2006/relationships" xmlns:p="http://schemas.openxmlformats.org/presentationml/2006/main">
+  <p:cSld>
+    <p:spTree>
+      <p:nvGrpSpPr>
+        <p:cNvPr id="1" name=""/>
+        <p:cNvGrpSpPr/>
+        <p:nvPr/>
+      </p:nvGrpSpPr>
+      <p:grpSpPr>
+        <a:xfrm>
+          <a:off x="0" y="0"/>
+          <a:ext cx="0" cy="0"/>
+          <a:chOff x="0" y="0"/>
+          <a:chExt cx="0" cy="0"/>
+        </a:xfrm>
+      </p:grpSpPr>
+      <p:sp>
+        <p:nvSpPr>
+          <p:cNvPr id="2" name="Slide Image Placeholder 1"/>
+          <p:cNvSpPr>
+            <a:spLocks noGrp="1" noRot="1" noChangeAspect="1"/>
+          </p:cNvSpPr>
+          <p:nvPr>
+            <p:ph type="sldImg"/>
+          </p:nvPr>
+        </p:nvSpPr>
+        <p:spPr/>
+      </p:sp>
+      <p:sp>
+        <p:nvSpPr>
+          <p:cNvPr id="3" name="Notes Placeholder 2"/>
+          <p:cNvSpPr>
+            <a:spLocks noGrp="1"/>
+          </p:cNvSpPr>
+          <p:nvPr>
+            <p:ph type="body" idx="1"/>
+          </p:nvPr>
+        </p:nvSpPr>
+        <p:spPr/>
+        <p:txBody>
+          <a:bodyPr/>
+          <a:lstStyle/>
+          <a:p>
+            <a:endParaRPr lang="en-CA" dirty="0"/>
+          </a:p>
+        </p:txBody>
+      </p:sp>
+      <p:sp>
+        <p:nvSpPr>
+          <p:cNvPr id="4" name="Slide Number Placeholder 3"/>
+          <p:cNvSpPr>
+            <a:spLocks noGrp="1"/>
+          </p:cNvSpPr>
+          <p:nvPr>
+            <p:ph type="sldNum" sz="quarter" idx="5"/>
+          </p:nvPr>
+        </p:nvSpPr>
+        <p:spPr/>
+        <p:txBody>
+          <a:bodyPr/>
+          <a:lstStyle/>
+          <a:p>
+            <a:fld id="{8F0E3D67-690A-4052-8E36-D4884B937A5E}" type="slidenum">
+              <a:rPr lang="en-CA" smtClean="0"/>
+              <a:t>12</a:t>
             </a:fld>
             <a:endParaRPr lang="en-CA"/>
           </a:p>
@@ -798,7 +883,22 @@
           <a:bodyPr/>
           <a:lstStyle/>
           <a:p>
-            <a:endParaRPr lang="en-CA" dirty="0"/>
+            <a:r>
+              <a:rPr lang="en-US" dirty="0"/>
+              <a:t>Toronto families lead busy lives.</a:t>
+            </a:r>
+          </a:p>
+          <a:p>
+            <a:endParaRPr lang="en-US" dirty="0"/>
+          </a:p>
+          <a:p>
+            <a:r>
+              <a:rPr lang="en-US" dirty="0"/>
+              <a:t>With the working (sometimes multiple jobs), commuting, and the endless number of responsibilities that come with [adulting], Torontonians don’t want to have to spend lots of time on tasks that should be simple.</a:t>
+            </a:r>
+          </a:p>
+          <a:p>
+            <a:endParaRPr lang="en-US" dirty="0"/>
           </a:p>
         </p:txBody>
       </p:sp>
@@ -828,7 +928,7 @@
     </p:spTree>
     <p:extLst>
       <p:ext uri="{BB962C8B-B14F-4D97-AF65-F5344CB8AC3E}">
-        <p14:creationId xmlns:p14="http://schemas.microsoft.com/office/powerpoint/2010/main" val="4143075199"/>
+        <p14:creationId xmlns:p14="http://schemas.microsoft.com/office/powerpoint/2010/main" val="1207222001"/>
       </p:ext>
     </p:extLst>
   </p:cSld>
@@ -882,22 +982,7 @@
           <a:bodyPr/>
           <a:lstStyle/>
           <a:p>
-            <a:r>
-              <a:rPr lang="en-US" dirty="0"/>
-              <a:t>Toronto families lead busy lives.</a:t>
-            </a:r>
-          </a:p>
-          <a:p>
-            <a:endParaRPr lang="en-US" dirty="0"/>
-          </a:p>
-          <a:p>
-            <a:r>
-              <a:rPr lang="en-US" dirty="0"/>
-              <a:t>With the working (sometimes multiple jobs), commuting, and the endless number of responsibilities that come with [adulting], Torontonians don’t want to have to spend lots of time on tasks that should be simple.</a:t>
-            </a:r>
-          </a:p>
-          <a:p>
-            <a:endParaRPr lang="en-US" dirty="0"/>
+            <a:endParaRPr lang="en-CA" dirty="0"/>
           </a:p>
         </p:txBody>
       </p:sp>
@@ -927,7 +1012,7 @@
     </p:spTree>
     <p:extLst>
       <p:ext uri="{BB962C8B-B14F-4D97-AF65-F5344CB8AC3E}">
-        <p14:creationId xmlns:p14="http://schemas.microsoft.com/office/powerpoint/2010/main" val="3718201783"/>
+        <p14:creationId xmlns:p14="http://schemas.microsoft.com/office/powerpoint/2010/main" val="4143075199"/>
       </p:ext>
     </p:extLst>
   </p:cSld>
@@ -983,7 +1068,7 @@
           <a:p>
             <a:r>
               <a:rPr lang="en-US" dirty="0"/>
-              <a:t>For example, logging into an account.</a:t>
+              <a:t>Toronto families lead busy lives.</a:t>
             </a:r>
           </a:p>
           <a:p>
@@ -992,8 +1077,11 @@
           <a:p>
             <a:r>
               <a:rPr lang="en-US" dirty="0"/>
-              <a:t>It’s a simple task: you go to the website, you click “sign in”, you enter your login id and password, and go!</a:t>
-            </a:r>
+              <a:t>With the working (sometimes multiple jobs), commuting, and the endless number of responsibilities that come with [adulting], Torontonians don’t want to have to spend lots of time on tasks that should be simple.</a:t>
+            </a:r>
+          </a:p>
+          <a:p>
+            <a:endParaRPr lang="en-US" dirty="0"/>
           </a:p>
         </p:txBody>
       </p:sp>
@@ -1023,7 +1111,7 @@
     </p:spTree>
     <p:extLst>
       <p:ext uri="{BB962C8B-B14F-4D97-AF65-F5344CB8AC3E}">
-        <p14:creationId xmlns:p14="http://schemas.microsoft.com/office/powerpoint/2010/main" val="1069421697"/>
+        <p14:creationId xmlns:p14="http://schemas.microsoft.com/office/powerpoint/2010/main" val="3718201783"/>
       </p:ext>
     </p:extLst>
   </p:cSld>
@@ -1079,109 +1167,17 @@
           <a:p>
             <a:r>
               <a:rPr lang="en-US" dirty="0"/>
-              <a:t>But when you have multiple accounts for multiple services, you have to spend time:</a:t>
+              <a:t>For example, logging into an account.</a:t>
             </a:r>
           </a:p>
           <a:p>
             <a:endParaRPr lang="en-US" dirty="0"/>
           </a:p>
           <a:p>
-            <a:pPr marL="171450" indent="-171450">
-              <a:buFontTx/>
-              <a:buChar char="-"/>
-            </a:pPr>
             <a:r>
               <a:rPr lang="en-US" dirty="0"/>
-              <a:t>Navigating to each site website</a:t>
-            </a:r>
-          </a:p>
-          <a:p>
-            <a:pPr marL="171450" indent="-171450">
-              <a:buFontTx/>
-              <a:buChar char="-"/>
-            </a:pPr>
-            <a:r>
-              <a:rPr lang="en-US" dirty="0"/>
-              <a:t>Providing a separate login ID and password to every single site</a:t>
-            </a:r>
-          </a:p>
-          <a:p>
-            <a:pPr marL="171450" indent="-171450">
-              <a:buFontTx/>
-              <a:buChar char="-"/>
-            </a:pPr>
-            <a:endParaRPr lang="en-US" dirty="0"/>
-          </a:p>
-          <a:p>
-            <a:pPr marL="0" indent="0">
-              <a:buFontTx/>
-              <a:buNone/>
-            </a:pPr>
-            <a:r>
-              <a:rPr lang="en-US" dirty="0"/>
-              <a:t>A</a:t>
-            </a:r>
-            <a:r>
-              <a:rPr lang="en-CA" dirty="0"/>
-              <a:t> process that should be easy becomes more and more time consuming</a:t>
-            </a:r>
-          </a:p>
-          <a:p>
-            <a:pPr marL="0" indent="0">
-              <a:buFontTx/>
-              <a:buNone/>
-            </a:pPr>
-            <a:endParaRPr lang="en-US" dirty="0"/>
-          </a:p>
-          <a:p>
-            <a:pPr marL="0" indent="0">
-              <a:buFontTx/>
-              <a:buNone/>
-            </a:pPr>
-            <a:r>
-              <a:rPr lang="en-US" dirty="0"/>
-              <a:t>A</a:t>
-            </a:r>
-            <a:r>
-              <a:rPr lang="en-CA" dirty="0"/>
-              <a:t>t home, you can save your logins and passwords, but families who don’t have access to home computers can’t save their account information on public terminals.</a:t>
-            </a:r>
-          </a:p>
-          <a:p>
-            <a:pPr marL="0" indent="0">
-              <a:buFontTx/>
-              <a:buNone/>
-            </a:pPr>
-            <a:endParaRPr lang="en-CA" dirty="0"/>
-          </a:p>
-          <a:p>
-            <a:pPr marL="0" indent="0">
-              <a:buFontTx/>
-              <a:buNone/>
-            </a:pPr>
-            <a:r>
-              <a:rPr lang="en-US" dirty="0"/>
-              <a:t>M</a:t>
-            </a:r>
-            <a:r>
-              <a:rPr lang="en-CA" dirty="0" err="1"/>
-              <a:t>aybe</a:t>
-            </a:r>
-            <a:r>
-              <a:rPr lang="en-CA" dirty="0"/>
-              <a:t> the computer they’re using doesn’t have a bookmark to the site they’re looking for. </a:t>
-            </a:r>
-          </a:p>
-          <a:p>
-            <a:pPr marL="0" indent="0">
-              <a:buFontTx/>
-              <a:buNone/>
-            </a:pPr>
-            <a:r>
-              <a:rPr lang="en-CA" dirty="0"/>
-              <a:t>Then they have to take the extra step of searching for the site, which takes more time.</a:t>
-            </a:r>
-            <a:endParaRPr lang="en-US" dirty="0"/>
+              <a:t>It’s a simple task: you go to the website, you click “sign in”, you enter your login id and password, and go!</a:t>
+            </a:r>
           </a:p>
         </p:txBody>
       </p:sp>
@@ -1211,7 +1207,7 @@
     </p:spTree>
     <p:extLst>
       <p:ext uri="{BB962C8B-B14F-4D97-AF65-F5344CB8AC3E}">
-        <p14:creationId xmlns:p14="http://schemas.microsoft.com/office/powerpoint/2010/main" val="3660240506"/>
+        <p14:creationId xmlns:p14="http://schemas.microsoft.com/office/powerpoint/2010/main" val="1069421697"/>
       </p:ext>
     </p:extLst>
   </p:cSld>
@@ -1267,17 +1263,11 @@
           <a:p>
             <a:r>
               <a:rPr lang="en-US" dirty="0"/>
-              <a:t>[Our solution] makes the process easy again. [OS] is an application designed for public computers, such as library computers.</a:t>
+              <a:t>But when you have multiple accounts for multiple services, you have to spend time:</a:t>
             </a:r>
           </a:p>
           <a:p>
             <a:endParaRPr lang="en-US" dirty="0"/>
-          </a:p>
-          <a:p>
-            <a:r>
-              <a:rPr lang="en-US" dirty="0"/>
-              <a:t>A single sign-on to our app will:</a:t>
-            </a:r>
           </a:p>
           <a:p>
             <a:pPr marL="171450" indent="-171450">
@@ -1286,7 +1276,7 @@
             </a:pPr>
             <a:r>
               <a:rPr lang="en-US" dirty="0"/>
-              <a:t>provide users with a landing page that will take them directly to the web sites</a:t>
+              <a:t>Navigating to each site website</a:t>
             </a:r>
           </a:p>
           <a:p>
@@ -1296,7 +1286,7 @@
             </a:pPr>
             <a:r>
               <a:rPr lang="en-US" dirty="0"/>
-              <a:t>sign users into all of their saved accounts</a:t>
+              <a:t>Providing a separate login ID and password to every single site</a:t>
             </a:r>
           </a:p>
           <a:p>
@@ -1304,10 +1294,78 @@
               <a:buFontTx/>
               <a:buChar char="-"/>
             </a:pPr>
+            <a:endParaRPr lang="en-US" dirty="0"/>
+          </a:p>
+          <a:p>
+            <a:pPr marL="0" indent="0">
+              <a:buFontTx/>
+              <a:buNone/>
+            </a:pPr>
             <a:r>
               <a:rPr lang="en-US" dirty="0"/>
-              <a:t>making the process simple again.</a:t>
-            </a:r>
+              <a:t>A</a:t>
+            </a:r>
+            <a:r>
+              <a:rPr lang="en-CA" dirty="0"/>
+              <a:t> process that should be easy becomes more and more time consuming</a:t>
+            </a:r>
+          </a:p>
+          <a:p>
+            <a:pPr marL="0" indent="0">
+              <a:buFontTx/>
+              <a:buNone/>
+            </a:pPr>
+            <a:endParaRPr lang="en-US" dirty="0"/>
+          </a:p>
+          <a:p>
+            <a:pPr marL="0" indent="0">
+              <a:buFontTx/>
+              <a:buNone/>
+            </a:pPr>
+            <a:r>
+              <a:rPr lang="en-US" dirty="0"/>
+              <a:t>A</a:t>
+            </a:r>
+            <a:r>
+              <a:rPr lang="en-CA" dirty="0"/>
+              <a:t>t home, you can save your logins and passwords, but families who don’t have access to home computers can’t save their account information on public terminals.</a:t>
+            </a:r>
+          </a:p>
+          <a:p>
+            <a:pPr marL="0" indent="0">
+              <a:buFontTx/>
+              <a:buNone/>
+            </a:pPr>
+            <a:endParaRPr lang="en-CA" dirty="0"/>
+          </a:p>
+          <a:p>
+            <a:pPr marL="0" indent="0">
+              <a:buFontTx/>
+              <a:buNone/>
+            </a:pPr>
+            <a:r>
+              <a:rPr lang="en-US" dirty="0"/>
+              <a:t>M</a:t>
+            </a:r>
+            <a:r>
+              <a:rPr lang="en-CA" dirty="0" err="1"/>
+              <a:t>aybe</a:t>
+            </a:r>
+            <a:r>
+              <a:rPr lang="en-CA" dirty="0"/>
+              <a:t> the computer they’re using doesn’t have a bookmark to the site they’re looking for. </a:t>
+            </a:r>
+          </a:p>
+          <a:p>
+            <a:pPr marL="0" indent="0">
+              <a:buFontTx/>
+              <a:buNone/>
+            </a:pPr>
+            <a:r>
+              <a:rPr lang="en-CA" dirty="0"/>
+              <a:t>Then they have to take the extra step of searching for the site, which takes more time.</a:t>
+            </a:r>
+            <a:endParaRPr lang="en-US" dirty="0"/>
           </a:p>
         </p:txBody>
       </p:sp>
@@ -1337,7 +1395,7 @@
     </p:spTree>
     <p:extLst>
       <p:ext uri="{BB962C8B-B14F-4D97-AF65-F5344CB8AC3E}">
-        <p14:creationId xmlns:p14="http://schemas.microsoft.com/office/powerpoint/2010/main" val="1229811675"/>
+        <p14:creationId xmlns:p14="http://schemas.microsoft.com/office/powerpoint/2010/main" val="3660240506"/>
       </p:ext>
     </p:extLst>
   </p:cSld>
@@ -1393,33 +1451,47 @@
           <a:p>
             <a:r>
               <a:rPr lang="en-US" dirty="0"/>
-              <a:t>One step sign-in: log in done and you’re done</a:t>
-            </a:r>
+              <a:t>[Our solution] makes the process easy again. [OS] is an application designed for public computers, such as library computers.</a:t>
+            </a:r>
+          </a:p>
+          <a:p>
+            <a:endParaRPr lang="en-US" dirty="0"/>
           </a:p>
           <a:p>
             <a:r>
               <a:rPr lang="en-US" dirty="0"/>
-              <a:t>Landing page: go directly to the sites you need, without having to search for them</a:t>
-            </a:r>
-          </a:p>
-          <a:p>
+              <a:t>A single sign-on to our app will:</a:t>
+            </a:r>
+          </a:p>
+          <a:p>
+            <a:pPr marL="171450" indent="-171450">
+              <a:buFontTx/>
+              <a:buChar char="-"/>
+            </a:pPr>
             <a:r>
               <a:rPr lang="en-US" dirty="0"/>
-              <a:t>Continuous integration: our log-in algorithm allows us to continuously add sites that users need to our service</a:t>
-            </a:r>
-          </a:p>
-          <a:p>
+              <a:t>provide users with a landing page that will take them directly to the web sites</a:t>
+            </a:r>
+          </a:p>
+          <a:p>
+            <a:pPr marL="171450" indent="-171450">
+              <a:buFontTx/>
+              <a:buChar char="-"/>
+            </a:pPr>
             <a:r>
               <a:rPr lang="en-US" dirty="0"/>
-              <a:t>Data security: we protect your account information in an encrypted database</a:t>
-            </a:r>
-          </a:p>
-          <a:p>
+              <a:t>sign users into all of their saved accounts</a:t>
+            </a:r>
+          </a:p>
+          <a:p>
+            <a:pPr marL="171450" indent="-171450">
+              <a:buFontTx/>
+              <a:buChar char="-"/>
+            </a:pPr>
             <a:r>
               <a:rPr lang="en-US" dirty="0"/>
-              <a:t>Account timeout: if you forget to log out, we’ll make sure you’re logged out after a certain period of time</a:t>
-            </a:r>
-            <a:endParaRPr lang="en-CA" dirty="0"/>
+              <a:t>making the process simple again.</a:t>
+            </a:r>
           </a:p>
         </p:txBody>
       </p:sp>
@@ -1449,7 +1521,7 @@
     </p:spTree>
     <p:extLst>
       <p:ext uri="{BB962C8B-B14F-4D97-AF65-F5344CB8AC3E}">
-        <p14:creationId xmlns:p14="http://schemas.microsoft.com/office/powerpoint/2010/main" val="2750289520"/>
+        <p14:creationId xmlns:p14="http://schemas.microsoft.com/office/powerpoint/2010/main" val="1229811675"/>
       </p:ext>
     </p:extLst>
   </p:cSld>
@@ -1503,7 +1575,35 @@
           <a:bodyPr/>
           <a:lstStyle/>
           <a:p>
-            <a:endParaRPr lang="en-US" dirty="0"/>
+            <a:r>
+              <a:rPr lang="en-US" dirty="0"/>
+              <a:t>One step sign-in: log in done and you’re done</a:t>
+            </a:r>
+          </a:p>
+          <a:p>
+            <a:r>
+              <a:rPr lang="en-US" dirty="0"/>
+              <a:t>Landing page: go directly to the sites you need, without having to search for them</a:t>
+            </a:r>
+          </a:p>
+          <a:p>
+            <a:r>
+              <a:rPr lang="en-US" dirty="0"/>
+              <a:t>Continuous integration: our log-in algorithm allows us to continuously add sites that users need to our service</a:t>
+            </a:r>
+          </a:p>
+          <a:p>
+            <a:r>
+              <a:rPr lang="en-US" dirty="0"/>
+              <a:t>Data security: we protect your account information in an encrypted database</a:t>
+            </a:r>
+          </a:p>
+          <a:p>
+            <a:r>
+              <a:rPr lang="en-US" dirty="0"/>
+              <a:t>Account timeout: if you forget to log out, we’ll make sure you’re logged out after a certain period of time</a:t>
+            </a:r>
+            <a:endParaRPr lang="en-CA" dirty="0"/>
           </a:p>
         </p:txBody>
       </p:sp>
@@ -1533,7 +1633,7 @@
     </p:spTree>
     <p:extLst>
       <p:ext uri="{BB962C8B-B14F-4D97-AF65-F5344CB8AC3E}">
-        <p14:creationId xmlns:p14="http://schemas.microsoft.com/office/powerpoint/2010/main" val="3121370831"/>
+        <p14:creationId xmlns:p14="http://schemas.microsoft.com/office/powerpoint/2010/main" val="2750289520"/>
       </p:ext>
     </p:extLst>
   </p:cSld>
@@ -1587,7 +1687,7 @@
           <a:bodyPr/>
           <a:lstStyle/>
           <a:p>
-            <a:endParaRPr lang="en-CA" dirty="0"/>
+            <a:endParaRPr lang="en-US" dirty="0"/>
           </a:p>
         </p:txBody>
       </p:sp>
@@ -1617,7 +1717,7 @@
     </p:spTree>
     <p:extLst>
       <p:ext uri="{BB962C8B-B14F-4D97-AF65-F5344CB8AC3E}">
-        <p14:creationId xmlns:p14="http://schemas.microsoft.com/office/powerpoint/2010/main" val="1942000468"/>
+        <p14:creationId xmlns:p14="http://schemas.microsoft.com/office/powerpoint/2010/main" val="3121370831"/>
       </p:ext>
     </p:extLst>
   </p:cSld>
@@ -6269,6 +6369,173 @@
       </p:grpSpPr>
       <p:sp>
         <p:nvSpPr>
+          <p:cNvPr id="2" name="Title 1">
+            <a:extLst>
+              <a:ext uri="{FF2B5EF4-FFF2-40B4-BE49-F238E27FC236}">
+                <a16:creationId xmlns:a16="http://schemas.microsoft.com/office/drawing/2014/main" id="{EDF21E4B-0FA0-43A6-97A1-494CD50C712E}"/>
+              </a:ext>
+            </a:extLst>
+          </p:cNvPr>
+          <p:cNvSpPr>
+            <a:spLocks noGrp="1"/>
+          </p:cNvSpPr>
+          <p:nvPr>
+            <p:ph type="title"/>
+          </p:nvPr>
+        </p:nvSpPr>
+        <p:spPr/>
+        <p:txBody>
+          <a:bodyPr>
+            <a:normAutofit/>
+          </a:bodyPr>
+          <a:lstStyle/>
+          <a:p>
+            <a:r>
+              <a:rPr lang="en-US" sz="4000" dirty="0">
+                <a:latin typeface="Oswald Regular" panose="02000503000000000000" pitchFamily="2" charset="0"/>
+              </a:rPr>
+              <a:t>Ideas for Future Implementation</a:t>
+            </a:r>
+            <a:endParaRPr lang="en-CA" sz="4000" dirty="0">
+              <a:latin typeface="Oswald Regular" panose="02000503000000000000" pitchFamily="2" charset="0"/>
+            </a:endParaRPr>
+          </a:p>
+        </p:txBody>
+      </p:sp>
+      <p:sp>
+        <p:nvSpPr>
+          <p:cNvPr id="3" name="Content Placeholder 2">
+            <a:extLst>
+              <a:ext uri="{FF2B5EF4-FFF2-40B4-BE49-F238E27FC236}">
+                <a16:creationId xmlns:a16="http://schemas.microsoft.com/office/drawing/2014/main" id="{61553BF9-24DF-4FD5-BCC2-4656934F9E88}"/>
+              </a:ext>
+            </a:extLst>
+          </p:cNvPr>
+          <p:cNvSpPr>
+            <a:spLocks noGrp="1"/>
+          </p:cNvSpPr>
+          <p:nvPr>
+            <p:ph idx="1"/>
+          </p:nvPr>
+        </p:nvSpPr>
+        <p:spPr/>
+        <p:txBody>
+          <a:bodyPr>
+            <a:normAutofit/>
+          </a:bodyPr>
+          <a:lstStyle/>
+          <a:p>
+            <a:r>
+              <a:rPr lang="en-US" sz="3200" b="1" dirty="0">
+                <a:latin typeface="Roboto" pitchFamily="2" charset="0"/>
+                <a:ea typeface="Roboto" pitchFamily="2" charset="0"/>
+              </a:rPr>
+              <a:t>Ability for users to be able to save account information from any web site</a:t>
+            </a:r>
+          </a:p>
+          <a:p>
+            <a:r>
+              <a:rPr lang="en-US" sz="3200" b="1" dirty="0">
+                <a:latin typeface="Roboto" pitchFamily="2" charset="0"/>
+                <a:ea typeface="Roboto" pitchFamily="2" charset="0"/>
+              </a:rPr>
+              <a:t>Host as a web service, for accessibility from any computer</a:t>
+            </a:r>
+          </a:p>
+          <a:p>
+            <a:r>
+              <a:rPr lang="en-US" sz="3200" b="1" dirty="0">
+                <a:latin typeface="Roboto" pitchFamily="2" charset="0"/>
+                <a:ea typeface="Roboto" pitchFamily="2" charset="0"/>
+              </a:rPr>
+              <a:t>Mobile capabilities</a:t>
+            </a:r>
+          </a:p>
+          <a:p>
+            <a:r>
+              <a:rPr lang="en-US" sz="3200" b="1" dirty="0">
+                <a:latin typeface="Roboto" pitchFamily="2" charset="0"/>
+                <a:ea typeface="Roboto" pitchFamily="2" charset="0"/>
+              </a:rPr>
+              <a:t>Multilingual platform</a:t>
+            </a:r>
+            <a:endParaRPr lang="en-CA" sz="3200" b="1" dirty="0">
+              <a:latin typeface="Roboto" pitchFamily="2" charset="0"/>
+              <a:ea typeface="Roboto" pitchFamily="2" charset="0"/>
+            </a:endParaRPr>
+          </a:p>
+        </p:txBody>
+      </p:sp>
+      <p:pic>
+        <p:nvPicPr>
+          <p:cNvPr id="4" name="Picture 3">
+            <a:extLst>
+              <a:ext uri="{FF2B5EF4-FFF2-40B4-BE49-F238E27FC236}">
+                <a16:creationId xmlns:a16="http://schemas.microsoft.com/office/drawing/2014/main" id="{5D1C4B8F-82AE-48B7-9C3D-90EF7A87D244}"/>
+              </a:ext>
+            </a:extLst>
+          </p:cNvPr>
+          <p:cNvPicPr>
+            <a:picLocks noChangeAspect="1"/>
+          </p:cNvPicPr>
+          <p:nvPr/>
+        </p:nvPicPr>
+        <p:blipFill>
+          <a:blip r:embed="rId3">
+            <a:duotone>
+              <a:schemeClr val="bg2">
+                <a:shade val="45000"/>
+                <a:satMod val="135000"/>
+              </a:schemeClr>
+              <a:prstClr val="white"/>
+            </a:duotone>
+          </a:blip>
+          <a:stretch>
+            <a:fillRect/>
+          </a:stretch>
+        </p:blipFill>
+        <p:spPr>
+          <a:xfrm>
+            <a:off x="9753351" y="5486400"/>
+            <a:ext cx="2057400" cy="1371600"/>
+          </a:xfrm>
+          <a:prstGeom prst="rect">
+            <a:avLst/>
+          </a:prstGeom>
+        </p:spPr>
+      </p:pic>
+    </p:spTree>
+    <p:extLst>
+      <p:ext uri="{BB962C8B-B14F-4D97-AF65-F5344CB8AC3E}">
+        <p14:creationId xmlns:p14="http://schemas.microsoft.com/office/powerpoint/2010/main" val="2490572947"/>
+      </p:ext>
+    </p:extLst>
+  </p:cSld>
+  <p:clrMapOvr>
+    <a:masterClrMapping/>
+  </p:clrMapOvr>
+</p:sld>
+</file>
+
+<file path=ppt/slides/slide11.xml><?xml version="1.0" encoding="utf-8"?>
+<p:sld xmlns:a="http://schemas.openxmlformats.org/drawingml/2006/main" xmlns:r="http://schemas.openxmlformats.org/officeDocument/2006/relationships" xmlns:p="http://schemas.openxmlformats.org/presentationml/2006/main">
+  <p:cSld>
+    <p:spTree>
+      <p:nvGrpSpPr>
+        <p:cNvPr id="1" name=""/>
+        <p:cNvGrpSpPr/>
+        <p:nvPr/>
+      </p:nvGrpSpPr>
+      <p:grpSpPr>
+        <a:xfrm>
+          <a:off x="0" y="0"/>
+          <a:ext cx="0" cy="0"/>
+          <a:chOff x="0" y="0"/>
+          <a:chExt cx="0" cy="0"/>
+        </a:xfrm>
+      </p:grpSpPr>
+      <p:sp>
+        <p:nvSpPr>
           <p:cNvPr id="6" name="Title 5">
             <a:extLst>
               <a:ext uri="{FF2B5EF4-FFF2-40B4-BE49-F238E27FC236}">
@@ -6353,7 +6620,7 @@
 </p:sld>
 </file>
 
-<file path=ppt/slides/slide11.xml><?xml version="1.0" encoding="utf-8"?>
+<file path=ppt/slides/slide12.xml><?xml version="1.0" encoding="utf-8"?>
 <p:sld xmlns:a="http://schemas.openxmlformats.org/drawingml/2006/main" xmlns:r="http://schemas.openxmlformats.org/officeDocument/2006/relationships" xmlns:p="http://schemas.openxmlformats.org/presentationml/2006/main">
   <p:cSld>
     <p:spTree>
@@ -6595,6 +6862,212 @@
           <p:cNvPr id="2" name="Title 1">
             <a:extLst>
               <a:ext uri="{FF2B5EF4-FFF2-40B4-BE49-F238E27FC236}">
+                <a16:creationId xmlns:a16="http://schemas.microsoft.com/office/drawing/2014/main" id="{EDF21E4B-0FA0-43A6-97A1-494CD50C712E}"/>
+              </a:ext>
+            </a:extLst>
+          </p:cNvPr>
+          <p:cNvSpPr>
+            <a:spLocks noGrp="1"/>
+          </p:cNvSpPr>
+          <p:nvPr>
+            <p:ph type="title"/>
+          </p:nvPr>
+        </p:nvSpPr>
+        <p:spPr>
+          <a:xfrm>
+            <a:off x="581192" y="2773479"/>
+            <a:ext cx="11029615" cy="1560880"/>
+          </a:xfrm>
+        </p:spPr>
+        <p:txBody>
+          <a:bodyPr>
+            <a:noAutofit/>
+          </a:bodyPr>
+          <a:lstStyle/>
+          <a:p>
+            <a:pPr algn="ctr"/>
+            <a:r>
+              <a:rPr lang="en-US" sz="4000" b="1" cap="none" dirty="0" err="1">
+                <a:latin typeface="Calibri" panose="020F0502020204030204" pitchFamily="34" charset="0"/>
+                <a:ea typeface="Roboto" pitchFamily="2" charset="0"/>
+                <a:cs typeface="Calibri" panose="020F0502020204030204" pitchFamily="34" charset="0"/>
+              </a:rPr>
+              <a:t>Krish</a:t>
+            </a:r>
+            <a:r>
+              <a:rPr lang="en-US" sz="4000" b="1" cap="none" dirty="0">
+                <a:latin typeface="Calibri" panose="020F0502020204030204" pitchFamily="34" charset="0"/>
+                <a:ea typeface="Roboto" pitchFamily="2" charset="0"/>
+                <a:cs typeface="Calibri" panose="020F0502020204030204" pitchFamily="34" charset="0"/>
+              </a:rPr>
+              <a:t> Chowdhary </a:t>
+            </a:r>
+            <a:r>
+              <a:rPr lang="en-US" sz="4000" cap="none" dirty="0">
+                <a:latin typeface="Calibri" panose="020F0502020204030204" pitchFamily="34" charset="0"/>
+                <a:ea typeface="Roboto" pitchFamily="2" charset="0"/>
+                <a:cs typeface="Calibri" panose="020F0502020204030204" pitchFamily="34" charset="0"/>
+              </a:rPr>
+              <a:t>(University of Toronto)</a:t>
+            </a:r>
+            <a:br>
+              <a:rPr lang="en-US" sz="4000" cap="none" dirty="0">
+                <a:latin typeface="Calibri" panose="020F0502020204030204" pitchFamily="34" charset="0"/>
+                <a:ea typeface="Roboto" pitchFamily="2" charset="0"/>
+                <a:cs typeface="Calibri" panose="020F0502020204030204" pitchFamily="34" charset="0"/>
+              </a:rPr>
+            </a:br>
+            <a:r>
+              <a:rPr lang="en-US" sz="4000" b="1" cap="none" dirty="0">
+                <a:latin typeface="Calibri" panose="020F0502020204030204" pitchFamily="34" charset="0"/>
+                <a:ea typeface="Roboto" pitchFamily="2" charset="0"/>
+                <a:cs typeface="Calibri" panose="020F0502020204030204" pitchFamily="34" charset="0"/>
+              </a:rPr>
+              <a:t>Robert Nash </a:t>
+            </a:r>
+            <a:r>
+              <a:rPr lang="en-US" sz="4000" cap="none" dirty="0">
+                <a:latin typeface="Calibri" panose="020F0502020204030204" pitchFamily="34" charset="0"/>
+                <a:ea typeface="Roboto" pitchFamily="2" charset="0"/>
+                <a:cs typeface="Calibri" panose="020F0502020204030204" pitchFamily="34" charset="0"/>
+              </a:rPr>
+              <a:t>(Ryerson University)</a:t>
+            </a:r>
+            <a:br>
+              <a:rPr lang="en-US" sz="4000" cap="none" dirty="0">
+                <a:latin typeface="Calibri" panose="020F0502020204030204" pitchFamily="34" charset="0"/>
+                <a:ea typeface="Roboto" pitchFamily="2" charset="0"/>
+                <a:cs typeface="Calibri" panose="020F0502020204030204" pitchFamily="34" charset="0"/>
+              </a:rPr>
+            </a:br>
+            <a:r>
+              <a:rPr lang="en-US" sz="4000" b="1" cap="none" dirty="0">
+                <a:latin typeface="Calibri" panose="020F0502020204030204" pitchFamily="34" charset="0"/>
+                <a:ea typeface="Roboto" pitchFamily="2" charset="0"/>
+                <a:cs typeface="Calibri" panose="020F0502020204030204" pitchFamily="34" charset="0"/>
+              </a:rPr>
+              <a:t>Quynh </a:t>
+            </a:r>
+            <a:r>
+              <a:rPr lang="en-US" sz="4000" b="1" cap="none" dirty="0" err="1">
+                <a:latin typeface="Calibri" panose="020F0502020204030204" pitchFamily="34" charset="0"/>
+                <a:ea typeface="Roboto" pitchFamily="2" charset="0"/>
+                <a:cs typeface="Calibri" panose="020F0502020204030204" pitchFamily="34" charset="0"/>
+              </a:rPr>
+              <a:t>Dinh</a:t>
+            </a:r>
+            <a:r>
+              <a:rPr lang="en-US" sz="4000" b="1" cap="none" dirty="0">
+                <a:latin typeface="Calibri" panose="020F0502020204030204" pitchFamily="34" charset="0"/>
+                <a:ea typeface="Roboto" pitchFamily="2" charset="0"/>
+                <a:cs typeface="Calibri" panose="020F0502020204030204" pitchFamily="34" charset="0"/>
+              </a:rPr>
+              <a:t> </a:t>
+            </a:r>
+            <a:r>
+              <a:rPr lang="en-US" sz="4000" cap="none" dirty="0">
+                <a:latin typeface="Calibri" panose="020F0502020204030204" pitchFamily="34" charset="0"/>
+                <a:ea typeface="Roboto" pitchFamily="2" charset="0"/>
+                <a:cs typeface="Calibri" panose="020F0502020204030204" pitchFamily="34" charset="0"/>
+              </a:rPr>
+              <a:t>(Sheridan College)</a:t>
+            </a:r>
+            <a:br>
+              <a:rPr lang="en-US" sz="4000" cap="none" dirty="0">
+                <a:latin typeface="Calibri" panose="020F0502020204030204" pitchFamily="34" charset="0"/>
+                <a:ea typeface="Roboto" pitchFamily="2" charset="0"/>
+                <a:cs typeface="Calibri" panose="020F0502020204030204" pitchFamily="34" charset="0"/>
+              </a:rPr>
+            </a:br>
+            <a:r>
+              <a:rPr lang="en-US" sz="4000" b="1" cap="none" dirty="0">
+                <a:latin typeface="Calibri" panose="020F0502020204030204" pitchFamily="34" charset="0"/>
+                <a:ea typeface="Roboto" pitchFamily="2" charset="0"/>
+                <a:cs typeface="Calibri" panose="020F0502020204030204" pitchFamily="34" charset="0"/>
+              </a:rPr>
+              <a:t>Mary Ma </a:t>
+            </a:r>
+            <a:r>
+              <a:rPr lang="en-US" sz="4000" cap="none" dirty="0">
+                <a:latin typeface="Calibri" panose="020F0502020204030204" pitchFamily="34" charset="0"/>
+                <a:ea typeface="Roboto" pitchFamily="2" charset="0"/>
+                <a:cs typeface="Calibri" panose="020F0502020204030204" pitchFamily="34" charset="0"/>
+              </a:rPr>
+              <a:t>(Sheridan College)</a:t>
+            </a:r>
+            <a:endParaRPr lang="en-CA" sz="4000" cap="none" dirty="0">
+              <a:latin typeface="Calibri" panose="020F0502020204030204" pitchFamily="34" charset="0"/>
+              <a:ea typeface="Roboto" pitchFamily="2" charset="0"/>
+              <a:cs typeface="Calibri" panose="020F0502020204030204" pitchFamily="34" charset="0"/>
+            </a:endParaRPr>
+          </a:p>
+        </p:txBody>
+      </p:sp>
+      <p:pic>
+        <p:nvPicPr>
+          <p:cNvPr id="3" name="Picture 2">
+            <a:extLst>
+              <a:ext uri="{FF2B5EF4-FFF2-40B4-BE49-F238E27FC236}">
+                <a16:creationId xmlns:a16="http://schemas.microsoft.com/office/drawing/2014/main" id="{82161C55-93BC-4CAB-8FE7-EDEE338CB860}"/>
+              </a:ext>
+            </a:extLst>
+          </p:cNvPr>
+          <p:cNvPicPr>
+            <a:picLocks noChangeAspect="1"/>
+          </p:cNvPicPr>
+          <p:nvPr/>
+        </p:nvPicPr>
+        <p:blipFill>
+          <a:blip r:embed="rId3"/>
+          <a:stretch>
+            <a:fillRect/>
+          </a:stretch>
+        </p:blipFill>
+        <p:spPr>
+          <a:xfrm>
+            <a:off x="9668573" y="5292276"/>
+            <a:ext cx="2057400" cy="1371600"/>
+          </a:xfrm>
+          <a:prstGeom prst="rect">
+            <a:avLst/>
+          </a:prstGeom>
+        </p:spPr>
+      </p:pic>
+    </p:spTree>
+    <p:extLst>
+      <p:ext uri="{BB962C8B-B14F-4D97-AF65-F5344CB8AC3E}">
+        <p14:creationId xmlns:p14="http://schemas.microsoft.com/office/powerpoint/2010/main" val="1101252261"/>
+      </p:ext>
+    </p:extLst>
+  </p:cSld>
+  <p:clrMapOvr>
+    <a:masterClrMapping/>
+  </p:clrMapOvr>
+</p:sld>
+</file>
+
+<file path=ppt/slides/slide3.xml><?xml version="1.0" encoding="utf-8"?>
+<p:sld xmlns:a="http://schemas.openxmlformats.org/drawingml/2006/main" xmlns:r="http://schemas.openxmlformats.org/officeDocument/2006/relationships" xmlns:p="http://schemas.openxmlformats.org/presentationml/2006/main">
+  <p:cSld>
+    <p:spTree>
+      <p:nvGrpSpPr>
+        <p:cNvPr id="1" name=""/>
+        <p:cNvGrpSpPr/>
+        <p:nvPr/>
+      </p:nvGrpSpPr>
+      <p:grpSpPr>
+        <a:xfrm>
+          <a:off x="0" y="0"/>
+          <a:ext cx="0" cy="0"/>
+          <a:chOff x="0" y="0"/>
+          <a:chExt cx="0" cy="0"/>
+        </a:xfrm>
+      </p:grpSpPr>
+      <p:sp>
+        <p:nvSpPr>
+          <p:cNvPr id="2" name="Title 1">
+            <a:extLst>
+              <a:ext uri="{FF2B5EF4-FFF2-40B4-BE49-F238E27FC236}">
                 <a16:creationId xmlns:a16="http://schemas.microsoft.com/office/drawing/2014/main" id="{38C2D97D-5CAF-4860-8225-3E2C1EB430B2}"/>
               </a:ext>
             </a:extLst>
@@ -6719,7 +7192,7 @@
 </p:sld>
 </file>
 
-<file path=ppt/slides/slide3.xml><?xml version="1.0" encoding="utf-8"?>
+<file path=ppt/slides/slide4.xml><?xml version="1.0" encoding="utf-8"?>
 <p:sld xmlns:a="http://schemas.openxmlformats.org/drawingml/2006/main" xmlns:r="http://schemas.openxmlformats.org/officeDocument/2006/relationships" xmlns:p="http://schemas.openxmlformats.org/presentationml/2006/main">
   <p:cSld>
     <p:spTree>
@@ -6832,7 +7305,7 @@
 </p:sld>
 </file>
 
-<file path=ppt/slides/slide4.xml><?xml version="1.0" encoding="utf-8"?>
+<file path=ppt/slides/slide5.xml><?xml version="1.0" encoding="utf-8"?>
 <p:sld xmlns:a="http://schemas.openxmlformats.org/drawingml/2006/main" xmlns:r="http://schemas.openxmlformats.org/officeDocument/2006/relationships" xmlns:p="http://schemas.openxmlformats.org/presentationml/2006/main">
   <p:cSld>
     <p:spTree>
@@ -6892,7 +7365,7 @@
 </p:sld>
 </file>
 
-<file path=ppt/slides/slide5.xml><?xml version="1.0" encoding="utf-8"?>
+<file path=ppt/slides/slide6.xml><?xml version="1.0" encoding="utf-8"?>
 <p:sld xmlns:a="http://schemas.openxmlformats.org/drawingml/2006/main" xmlns:r="http://schemas.openxmlformats.org/officeDocument/2006/relationships" xmlns:p="http://schemas.openxmlformats.org/presentationml/2006/main">
   <p:cSld>
     <p:spTree>
@@ -7636,7 +8109,7 @@
 </p:sld>
 </file>
 
-<file path=ppt/slides/slide6.xml><?xml version="1.0" encoding="utf-8"?>
+<file path=ppt/slides/slide7.xml><?xml version="1.0" encoding="utf-8"?>
 <p:sld xmlns:a="http://schemas.openxmlformats.org/drawingml/2006/main" xmlns:r="http://schemas.openxmlformats.org/officeDocument/2006/relationships" xmlns:p="http://schemas.openxmlformats.org/presentationml/2006/main">
   <p:cSld>
     <p:spTree>
@@ -7703,7 +8176,7 @@
 </p:sld>
 </file>
 
-<file path=ppt/slides/slide7.xml><?xml version="1.0" encoding="utf-8"?>
+<file path=ppt/slides/slide8.xml><?xml version="1.0" encoding="utf-8"?>
 <p:sld xmlns:a="http://schemas.openxmlformats.org/drawingml/2006/main" xmlns:r="http://schemas.openxmlformats.org/officeDocument/2006/relationships" xmlns:p="http://schemas.openxmlformats.org/presentationml/2006/main">
   <p:cSld>
     <p:spTree>
@@ -7879,73 +8352,6 @@
 </p:sld>
 </file>
 
-<file path=ppt/slides/slide8.xml><?xml version="1.0" encoding="utf-8"?>
-<p:sld xmlns:a="http://schemas.openxmlformats.org/drawingml/2006/main" xmlns:r="http://schemas.openxmlformats.org/officeDocument/2006/relationships" xmlns:p="http://schemas.openxmlformats.org/presentationml/2006/main">
-  <p:cSld>
-    <p:spTree>
-      <p:nvGrpSpPr>
-        <p:cNvPr id="1" name=""/>
-        <p:cNvGrpSpPr/>
-        <p:nvPr/>
-      </p:nvGrpSpPr>
-      <p:grpSpPr>
-        <a:xfrm>
-          <a:off x="0" y="0"/>
-          <a:ext cx="0" cy="0"/>
-          <a:chOff x="0" y="0"/>
-          <a:chExt cx="0" cy="0"/>
-        </a:xfrm>
-      </p:grpSpPr>
-      <p:sp>
-        <p:nvSpPr>
-          <p:cNvPr id="2" name="TextBox 1">
-            <a:extLst>
-              <a:ext uri="{FF2B5EF4-FFF2-40B4-BE49-F238E27FC236}">
-                <a16:creationId xmlns:a16="http://schemas.microsoft.com/office/drawing/2014/main" id="{51FE9BDE-9EC0-457F-AEE3-94A3900779B9}"/>
-              </a:ext>
-            </a:extLst>
-          </p:cNvPr>
-          <p:cNvSpPr txBox="1"/>
-          <p:nvPr/>
-        </p:nvSpPr>
-        <p:spPr>
-          <a:xfrm>
-            <a:off x="3177287" y="3244334"/>
-            <a:ext cx="5837425" cy="369332"/>
-          </a:xfrm>
-          <a:prstGeom prst="rect">
-            <a:avLst/>
-          </a:prstGeom>
-          <a:noFill/>
-        </p:spPr>
-        <p:txBody>
-          <a:bodyPr wrap="square" rtlCol="0">
-            <a:spAutoFit/>
-          </a:bodyPr>
-          <a:lstStyle/>
-          <a:p>
-            <a:pPr algn="ctr"/>
-            <a:r>
-              <a:rPr lang="en-US" dirty="0"/>
-              <a:t>Live demo part + any additional technical details go here?</a:t>
-            </a:r>
-            <a:endParaRPr lang="en-CA" dirty="0"/>
-          </a:p>
-        </p:txBody>
-      </p:sp>
-    </p:spTree>
-    <p:extLst>
-      <p:ext uri="{BB962C8B-B14F-4D97-AF65-F5344CB8AC3E}">
-        <p14:creationId xmlns:p14="http://schemas.microsoft.com/office/powerpoint/2010/main" val="130451245"/>
-      </p:ext>
-    </p:extLst>
-  </p:cSld>
-  <p:clrMapOvr>
-    <a:masterClrMapping/>
-  </p:clrMapOvr>
-</p:sld>
-</file>
-
 <file path=ppt/slides/slide9.xml><?xml version="1.0" encoding="utf-8"?>
 <p:sld xmlns:a="http://schemas.openxmlformats.org/drawingml/2006/main" xmlns:r="http://schemas.openxmlformats.org/officeDocument/2006/relationships" xmlns:p="http://schemas.openxmlformats.org/presentationml/2006/main">
   <p:cSld>
@@ -7965,145 +8371,45 @@
       </p:grpSpPr>
       <p:sp>
         <p:nvSpPr>
-          <p:cNvPr id="2" name="Title 1">
+          <p:cNvPr id="2" name="TextBox 1">
             <a:extLst>
               <a:ext uri="{FF2B5EF4-FFF2-40B4-BE49-F238E27FC236}">
-                <a16:creationId xmlns:a16="http://schemas.microsoft.com/office/drawing/2014/main" id="{EDF21E4B-0FA0-43A6-97A1-494CD50C712E}"/>
+                <a16:creationId xmlns:a16="http://schemas.microsoft.com/office/drawing/2014/main" id="{51FE9BDE-9EC0-457F-AEE3-94A3900779B9}"/>
               </a:ext>
             </a:extLst>
           </p:cNvPr>
-          <p:cNvSpPr>
-            <a:spLocks noGrp="1"/>
-          </p:cNvSpPr>
-          <p:nvPr>
-            <p:ph type="title"/>
-          </p:nvPr>
-        </p:nvSpPr>
-        <p:spPr/>
-        <p:txBody>
-          <a:bodyPr>
-            <a:normAutofit/>
-          </a:bodyPr>
-          <a:lstStyle/>
-          <a:p>
-            <a:r>
-              <a:rPr lang="en-US" sz="4000" dirty="0">
-                <a:latin typeface="Oswald Regular" panose="02000503000000000000" pitchFamily="2" charset="0"/>
-              </a:rPr>
-              <a:t>Ideas for Future Implementation</a:t>
-            </a:r>
-            <a:endParaRPr lang="en-CA" sz="4000" dirty="0">
-              <a:latin typeface="Oswald Regular" panose="02000503000000000000" pitchFamily="2" charset="0"/>
-            </a:endParaRPr>
-          </a:p>
-        </p:txBody>
-      </p:sp>
-      <p:sp>
-        <p:nvSpPr>
-          <p:cNvPr id="3" name="Content Placeholder 2">
-            <a:extLst>
-              <a:ext uri="{FF2B5EF4-FFF2-40B4-BE49-F238E27FC236}">
-                <a16:creationId xmlns:a16="http://schemas.microsoft.com/office/drawing/2014/main" id="{61553BF9-24DF-4FD5-BCC2-4656934F9E88}"/>
-              </a:ext>
-            </a:extLst>
-          </p:cNvPr>
-          <p:cNvSpPr>
-            <a:spLocks noGrp="1"/>
-          </p:cNvSpPr>
-          <p:nvPr>
-            <p:ph idx="1"/>
-          </p:nvPr>
-        </p:nvSpPr>
-        <p:spPr/>
-        <p:txBody>
-          <a:bodyPr>
-            <a:normAutofit/>
-          </a:bodyPr>
-          <a:lstStyle/>
-          <a:p>
-            <a:r>
-              <a:rPr lang="en-US" sz="3200" b="1" dirty="0">
-                <a:latin typeface="Roboto" pitchFamily="2" charset="0"/>
-                <a:ea typeface="Roboto" pitchFamily="2" charset="0"/>
-              </a:rPr>
-              <a:t>Ability for users to be able to save account information from any web site</a:t>
-            </a:r>
-          </a:p>
-          <a:p>
-            <a:r>
-              <a:rPr lang="en-US" sz="3200" b="1" dirty="0">
-                <a:latin typeface="Roboto" pitchFamily="2" charset="0"/>
-                <a:ea typeface="Roboto" pitchFamily="2" charset="0"/>
-              </a:rPr>
-              <a:t>Host as a web service, for accessibility from any computer</a:t>
-            </a:r>
-          </a:p>
-          <a:p>
-            <a:r>
-              <a:rPr lang="en-US" sz="3200" b="1" dirty="0">
-                <a:latin typeface="Roboto" pitchFamily="2" charset="0"/>
-                <a:ea typeface="Roboto" pitchFamily="2" charset="0"/>
-              </a:rPr>
-              <a:t>Mobile capabilities</a:t>
-            </a:r>
-          </a:p>
-          <a:p>
-            <a:r>
-              <a:rPr lang="en-US" sz="3200" b="1" dirty="0">
-                <a:latin typeface="Roboto" pitchFamily="2" charset="0"/>
-                <a:ea typeface="Roboto" pitchFamily="2" charset="0"/>
-              </a:rPr>
-              <a:t>Multilingual platform</a:t>
-            </a:r>
-            <a:endParaRPr lang="en-CA" sz="3200" b="1" dirty="0">
-              <a:latin typeface="Roboto" pitchFamily="2" charset="0"/>
-              <a:ea typeface="Roboto" pitchFamily="2" charset="0"/>
-            </a:endParaRPr>
-          </a:p>
-        </p:txBody>
-      </p:sp>
-      <p:pic>
-        <p:nvPicPr>
-          <p:cNvPr id="4" name="Picture 3">
-            <a:extLst>
-              <a:ext uri="{FF2B5EF4-FFF2-40B4-BE49-F238E27FC236}">
-                <a16:creationId xmlns:a16="http://schemas.microsoft.com/office/drawing/2014/main" id="{5D1C4B8F-82AE-48B7-9C3D-90EF7A87D244}"/>
-              </a:ext>
-            </a:extLst>
-          </p:cNvPr>
-          <p:cNvPicPr>
-            <a:picLocks noChangeAspect="1"/>
-          </p:cNvPicPr>
+          <p:cNvSpPr txBox="1"/>
           <p:nvPr/>
-        </p:nvPicPr>
-        <p:blipFill>
-          <a:blip r:embed="rId3">
-            <a:duotone>
-              <a:schemeClr val="bg2">
-                <a:shade val="45000"/>
-                <a:satMod val="135000"/>
-              </a:schemeClr>
-              <a:prstClr val="white"/>
-            </a:duotone>
-          </a:blip>
-          <a:stretch>
-            <a:fillRect/>
-          </a:stretch>
-        </p:blipFill>
+        </p:nvSpPr>
         <p:spPr>
           <a:xfrm>
-            <a:off x="9753351" y="5486400"/>
-            <a:ext cx="2057400" cy="1371600"/>
+            <a:off x="3177287" y="3244334"/>
+            <a:ext cx="5837425" cy="369332"/>
           </a:xfrm>
           <a:prstGeom prst="rect">
             <a:avLst/>
           </a:prstGeom>
+          <a:noFill/>
         </p:spPr>
-      </p:pic>
+        <p:txBody>
+          <a:bodyPr wrap="square" rtlCol="0">
+            <a:spAutoFit/>
+          </a:bodyPr>
+          <a:lstStyle/>
+          <a:p>
+            <a:pPr algn="ctr"/>
+            <a:r>
+              <a:rPr lang="en-US" dirty="0"/>
+              <a:t>Live demo part + any additional technical details go here?</a:t>
+            </a:r>
+            <a:endParaRPr lang="en-CA" dirty="0"/>
+          </a:p>
+        </p:txBody>
+      </p:sp>
     </p:spTree>
     <p:extLst>
       <p:ext uri="{BB962C8B-B14F-4D97-AF65-F5344CB8AC3E}">
-        <p14:creationId xmlns:p14="http://schemas.microsoft.com/office/powerpoint/2010/main" val="2490572947"/>
+        <p14:creationId xmlns:p14="http://schemas.microsoft.com/office/powerpoint/2010/main" val="130451245"/>
       </p:ext>
     </p:extLst>
   </p:cSld>

--- a/City_of.pptx
+++ b/City_of.pptx
@@ -5786,8 +5786,8 @@
         </p:nvSpPr>
         <p:spPr>
           <a:xfrm>
-            <a:off x="7727670" y="3676496"/>
-            <a:ext cx="1378261" cy="682690"/>
+            <a:off x="6948878" y="3591262"/>
+            <a:ext cx="1322052" cy="623966"/>
           </a:xfrm>
           <a:prstGeom prst="rightArrow">
             <a:avLst/>
@@ -6331,6 +6331,66 @@
           <a:xfrm>
             <a:off x="1941334" y="185707"/>
             <a:ext cx="2139904" cy="1426603"/>
+          </a:xfrm>
+          <a:prstGeom prst="rect">
+            <a:avLst/>
+          </a:prstGeom>
+        </p:spPr>
+      </p:pic>
+      <p:pic>
+        <p:nvPicPr>
+          <p:cNvPr id="3" name="Picture 2">
+            <a:extLst>
+              <a:ext uri="{FF2B5EF4-FFF2-40B4-BE49-F238E27FC236}">
+                <a16:creationId xmlns:a16="http://schemas.microsoft.com/office/drawing/2014/main" id="{B6BB06DA-F00A-4BEF-B498-698D8542ED5A}"/>
+              </a:ext>
+            </a:extLst>
+          </p:cNvPr>
+          <p:cNvPicPr>
+            <a:picLocks noChangeAspect="1"/>
+          </p:cNvPicPr>
+          <p:nvPr/>
+        </p:nvPicPr>
+        <p:blipFill>
+          <a:blip r:embed="rId5"/>
+          <a:stretch>
+            <a:fillRect/>
+          </a:stretch>
+        </p:blipFill>
+        <p:spPr>
+          <a:xfrm>
+            <a:off x="8363605" y="2782486"/>
+            <a:ext cx="3095478" cy="2031547"/>
+          </a:xfrm>
+          <a:prstGeom prst="rect">
+            <a:avLst/>
+          </a:prstGeom>
+        </p:spPr>
+      </p:pic>
+      <p:pic>
+        <p:nvPicPr>
+          <p:cNvPr id="5" name="Picture 4">
+            <a:extLst>
+              <a:ext uri="{FF2B5EF4-FFF2-40B4-BE49-F238E27FC236}">
+                <a16:creationId xmlns:a16="http://schemas.microsoft.com/office/drawing/2014/main" id="{1195BECD-7873-40C3-9BD8-6BC4E68ED561}"/>
+              </a:ext>
+            </a:extLst>
+          </p:cNvPr>
+          <p:cNvPicPr>
+            <a:picLocks noChangeAspect="1"/>
+          </p:cNvPicPr>
+          <p:nvPr/>
+        </p:nvPicPr>
+        <p:blipFill>
+          <a:blip r:embed="rId6"/>
+          <a:stretch>
+            <a:fillRect/>
+          </a:stretch>
+        </p:blipFill>
+        <p:spPr>
+          <a:xfrm>
+            <a:off x="4650524" y="3141020"/>
+            <a:ext cx="2205679" cy="1502164"/>
           </a:xfrm>
           <a:prstGeom prst="rect">
             <a:avLst/>
@@ -8128,10 +8188,97 @@
       </p:grpSpPr>
       <p:sp>
         <p:nvSpPr>
-          <p:cNvPr id="2" name="TextBox 1">
+          <p:cNvPr id="4" name="Rectangle 3">
             <a:extLst>
               <a:ext uri="{FF2B5EF4-FFF2-40B4-BE49-F238E27FC236}">
-                <a16:creationId xmlns:a16="http://schemas.microsoft.com/office/drawing/2014/main" id="{51FE9BDE-9EC0-457F-AEE3-94A3900779B9}"/>
+                <a16:creationId xmlns:a16="http://schemas.microsoft.com/office/drawing/2014/main" id="{4FDFABD6-DE91-4599-9FE1-EFB3FBA80589}"/>
+              </a:ext>
+            </a:extLst>
+          </p:cNvPr>
+          <p:cNvSpPr/>
+          <p:nvPr/>
+        </p:nvSpPr>
+        <p:spPr>
+          <a:xfrm>
+            <a:off x="2650210" y="1395604"/>
+            <a:ext cx="6891580" cy="4664990"/>
+          </a:xfrm>
+          <a:prstGeom prst="rect">
+            <a:avLst/>
+          </a:prstGeom>
+          <a:solidFill>
+            <a:schemeClr val="bg1"/>
+          </a:solidFill>
+        </p:spPr>
+        <p:style>
+          <a:lnRef idx="2">
+            <a:schemeClr val="accent1">
+              <a:shade val="50000"/>
+            </a:schemeClr>
+          </a:lnRef>
+          <a:fillRef idx="1">
+            <a:schemeClr val="accent1"/>
+          </a:fillRef>
+          <a:effectRef idx="0">
+            <a:schemeClr val="accent1"/>
+          </a:effectRef>
+          <a:fontRef idx="minor">
+            <a:schemeClr val="lt1"/>
+          </a:fontRef>
+        </p:style>
+        <p:txBody>
+          <a:bodyPr rtlCol="0" anchor="ctr"/>
+          <a:lstStyle/>
+          <a:p>
+            <a:pPr algn="ctr"/>
+            <a:endParaRPr lang="en-CA"/>
+          </a:p>
+        </p:txBody>
+      </p:sp>
+      <p:pic>
+        <p:nvPicPr>
+          <p:cNvPr id="5" name="Picture 4">
+            <a:extLst>
+              <a:ext uri="{FF2B5EF4-FFF2-40B4-BE49-F238E27FC236}">
+                <a16:creationId xmlns:a16="http://schemas.microsoft.com/office/drawing/2014/main" id="{B5EEB7F4-4EC5-4055-935E-F4CA91E7ED8A}"/>
+              </a:ext>
+            </a:extLst>
+          </p:cNvPr>
+          <p:cNvPicPr>
+            <a:picLocks noChangeAspect="1"/>
+          </p:cNvPicPr>
+          <p:nvPr/>
+        </p:nvPicPr>
+        <p:blipFill>
+          <a:blip r:embed="rId3">
+            <a:duotone>
+              <a:schemeClr val="accent1">
+                <a:shade val="45000"/>
+                <a:satMod val="135000"/>
+              </a:schemeClr>
+              <a:prstClr val="white"/>
+            </a:duotone>
+          </a:blip>
+          <a:stretch>
+            <a:fillRect/>
+          </a:stretch>
+        </p:blipFill>
+        <p:spPr>
+          <a:xfrm>
+            <a:off x="7772907" y="5119608"/>
+            <a:ext cx="1753383" cy="1168922"/>
+          </a:xfrm>
+          <a:prstGeom prst="rect">
+            <a:avLst/>
+          </a:prstGeom>
+        </p:spPr>
+      </p:pic>
+      <p:sp>
+        <p:nvSpPr>
+          <p:cNvPr id="6" name="TextBox 5">
+            <a:extLst>
+              <a:ext uri="{FF2B5EF4-FFF2-40B4-BE49-F238E27FC236}">
+                <a16:creationId xmlns:a16="http://schemas.microsoft.com/office/drawing/2014/main" id="{B64AA469-C18A-48E0-B2ED-FD2444116CF3}"/>
               </a:ext>
             </a:extLst>
           </p:cNvPr>
@@ -8140,8 +8287,8 @@
         </p:nvSpPr>
         <p:spPr>
           <a:xfrm>
-            <a:off x="3177287" y="3244334"/>
-            <a:ext cx="5837425" cy="369332"/>
+            <a:off x="3135824" y="1485838"/>
+            <a:ext cx="5920352" cy="1046440"/>
           </a:xfrm>
           <a:prstGeom prst="rect">
             <a:avLst/>
@@ -8156,10 +8303,187 @@
           <a:p>
             <a:pPr algn="ctr"/>
             <a:r>
+              <a:rPr lang="en-US" sz="4400" dirty="0" err="1">
+                <a:latin typeface="Freestyle Script" panose="030804020302050B0404" pitchFamily="66" charset="0"/>
+              </a:rPr>
+              <a:t>my</a:t>
+            </a:r>
+            <a:r>
+              <a:rPr lang="en-US" sz="4000" b="1" dirty="0" err="1">
+                <a:solidFill>
+                  <a:schemeClr val="accent1"/>
+                </a:solidFill>
+                <a:latin typeface="Oswald" panose="02000303000000000000" pitchFamily="2" charset="0"/>
+              </a:rPr>
+              <a:t>TO</a:t>
+            </a:r>
+            <a:r>
+              <a:rPr lang="en-US" sz="4000" b="1" dirty="0" err="1">
+                <a:solidFill>
+                  <a:schemeClr val="tx2">
+                    <a:lumMod val="75000"/>
+                  </a:schemeClr>
+                </a:solidFill>
+                <a:latin typeface="Oswald" panose="02000303000000000000" pitchFamily="2" charset="0"/>
+              </a:rPr>
+              <a:t>WN</a:t>
+            </a:r>
+            <a:endParaRPr lang="en-US" sz="4000" b="1" dirty="0">
+              <a:solidFill>
+                <a:schemeClr val="tx2">
+                  <a:lumMod val="75000"/>
+                </a:schemeClr>
+              </a:solidFill>
+              <a:latin typeface="Oswald" panose="02000303000000000000" pitchFamily="2" charset="0"/>
+            </a:endParaRPr>
+          </a:p>
+          <a:p>
+            <a:pPr algn="ctr"/>
+            <a:r>
               <a:rPr lang="en-US" dirty="0"/>
-              <a:t>Our Solution (insert a picture of our login page?)</a:t>
+              <a:t>Account Management System</a:t>
             </a:r>
             <a:endParaRPr lang="en-CA" dirty="0"/>
+          </a:p>
+        </p:txBody>
+      </p:sp>
+      <p:sp>
+        <p:nvSpPr>
+          <p:cNvPr id="7" name="TextBox 6">
+            <a:extLst>
+              <a:ext uri="{FF2B5EF4-FFF2-40B4-BE49-F238E27FC236}">
+                <a16:creationId xmlns:a16="http://schemas.microsoft.com/office/drawing/2014/main" id="{5F213B9B-1AF4-4938-ACAE-D95B7D831F31}"/>
+              </a:ext>
+            </a:extLst>
+          </p:cNvPr>
+          <p:cNvSpPr txBox="1"/>
+          <p:nvPr/>
+        </p:nvSpPr>
+        <p:spPr>
+          <a:xfrm>
+            <a:off x="4267200" y="2834013"/>
+            <a:ext cx="3657600" cy="646331"/>
+          </a:xfrm>
+          <a:prstGeom prst="rect">
+            <a:avLst/>
+          </a:prstGeom>
+          <a:noFill/>
+        </p:spPr>
+        <p:txBody>
+          <a:bodyPr wrap="square" rtlCol="0">
+            <a:spAutoFit/>
+          </a:bodyPr>
+          <a:lstStyle/>
+          <a:p>
+            <a:r>
+              <a:rPr lang="en-US" dirty="0"/>
+              <a:t>Username:</a:t>
+            </a:r>
+          </a:p>
+          <a:p>
+            <a:r>
+              <a:rPr lang="en-US" dirty="0"/>
+              <a:t> Password:</a:t>
+            </a:r>
+            <a:endParaRPr lang="en-CA" dirty="0"/>
+          </a:p>
+        </p:txBody>
+      </p:sp>
+      <p:sp>
+        <p:nvSpPr>
+          <p:cNvPr id="8" name="Rectangle 7">
+            <a:extLst>
+              <a:ext uri="{FF2B5EF4-FFF2-40B4-BE49-F238E27FC236}">
+                <a16:creationId xmlns:a16="http://schemas.microsoft.com/office/drawing/2014/main" id="{B4628D98-A83F-4782-A782-8ACD1FAB0ECB}"/>
+              </a:ext>
+            </a:extLst>
+          </p:cNvPr>
+          <p:cNvSpPr/>
+          <p:nvPr/>
+        </p:nvSpPr>
+        <p:spPr>
+          <a:xfrm>
+            <a:off x="5419240" y="2893017"/>
+            <a:ext cx="2500393" cy="242807"/>
+          </a:xfrm>
+          <a:prstGeom prst="rect">
+            <a:avLst/>
+          </a:prstGeom>
+          <a:solidFill>
+            <a:schemeClr val="bg1"/>
+          </a:solidFill>
+        </p:spPr>
+        <p:style>
+          <a:lnRef idx="2">
+            <a:schemeClr val="accent1">
+              <a:shade val="50000"/>
+            </a:schemeClr>
+          </a:lnRef>
+          <a:fillRef idx="1">
+            <a:schemeClr val="accent1"/>
+          </a:fillRef>
+          <a:effectRef idx="0">
+            <a:schemeClr val="accent1"/>
+          </a:effectRef>
+          <a:fontRef idx="minor">
+            <a:schemeClr val="lt1"/>
+          </a:fontRef>
+        </p:style>
+        <p:txBody>
+          <a:bodyPr rtlCol="0" anchor="ctr"/>
+          <a:lstStyle/>
+          <a:p>
+            <a:pPr algn="ctr"/>
+            <a:endParaRPr lang="en-CA"/>
+          </a:p>
+        </p:txBody>
+      </p:sp>
+      <p:sp>
+        <p:nvSpPr>
+          <p:cNvPr id="9" name="Rectangle 8">
+            <a:extLst>
+              <a:ext uri="{FF2B5EF4-FFF2-40B4-BE49-F238E27FC236}">
+                <a16:creationId xmlns:a16="http://schemas.microsoft.com/office/drawing/2014/main" id="{91D01128-6D97-4E90-AC44-AA609B515704}"/>
+              </a:ext>
+            </a:extLst>
+          </p:cNvPr>
+          <p:cNvSpPr/>
+          <p:nvPr/>
+        </p:nvSpPr>
+        <p:spPr>
+          <a:xfrm>
+            <a:off x="5419239" y="3195143"/>
+            <a:ext cx="2500393" cy="242807"/>
+          </a:xfrm>
+          <a:prstGeom prst="rect">
+            <a:avLst/>
+          </a:prstGeom>
+          <a:solidFill>
+            <a:schemeClr val="bg1"/>
+          </a:solidFill>
+        </p:spPr>
+        <p:style>
+          <a:lnRef idx="2">
+            <a:schemeClr val="accent1">
+              <a:shade val="50000"/>
+            </a:schemeClr>
+          </a:lnRef>
+          <a:fillRef idx="1">
+            <a:schemeClr val="accent1"/>
+          </a:fillRef>
+          <a:effectRef idx="0">
+            <a:schemeClr val="accent1"/>
+          </a:effectRef>
+          <a:fontRef idx="minor">
+            <a:schemeClr val="lt1"/>
+          </a:fontRef>
+        </p:style>
+        <p:txBody>
+          <a:bodyPr rtlCol="0" anchor="ctr"/>
+          <a:lstStyle/>
+          <a:p>
+            <a:pPr algn="ctr"/>
+            <a:endParaRPr lang="en-CA"/>
           </a:p>
         </p:txBody>
       </p:sp>
@@ -8400,7 +8724,7 @@
             <a:pPr algn="ctr"/>
             <a:r>
               <a:rPr lang="en-US" dirty="0"/>
-              <a:t>Live demo part + any additional technical details go here?</a:t>
+              <a:t>Live demo</a:t>
             </a:r>
             <a:endParaRPr lang="en-CA" dirty="0"/>
           </a:p>
